--- a/HARIHARAN K.pptx
+++ b/HARIHARAN K.pptx
@@ -4590,15 +4590,22 @@
           <a:p>
             <a:pPr algn="ctr"/>
             <a:r>
-              <a:rPr lang="en-US" b="1" dirty="0">
+              <a:rPr lang="en-US" b="1" dirty="0" smtClean="0">
                 <a:solidFill>
                   <a:schemeClr val="accent1"/>
                 </a:solidFill>
                 <a:latin typeface="Arial" panose="020B0604020202020204" pitchFamily="34" charset="0"/>
                 <a:cs typeface="Arial" panose="020B0604020202020204" pitchFamily="34" charset="0"/>
               </a:rPr>
-              <a:t>PROJECT TITLE</a:t>
-            </a:r>
+              <a:t>FANDANGO MOVIE RATING </a:t>
+            </a:r>
+            <a:endParaRPr lang="en-US" b="1" dirty="0">
+              <a:solidFill>
+                <a:schemeClr val="accent1"/>
+              </a:solidFill>
+              <a:latin typeface="Arial" panose="020B0604020202020204" pitchFamily="34" charset="0"/>
+              <a:cs typeface="Arial" panose="020B0604020202020204" pitchFamily="34" charset="0"/>
+            </a:endParaRPr>
           </a:p>
         </p:txBody>
       </p:sp>
@@ -4672,13 +4679,8 @@
                 <a:latin typeface="Arial" pitchFamily="34" charset="0"/>
                 <a:cs typeface="Arial" pitchFamily="34" charset="0"/>
               </a:rPr>
-              <a:t>Presented By:</a:t>
-            </a:r>
-          </a:p>
-          <a:p>
-            <a:pPr marL="457200" indent="-457200">
-              <a:buAutoNum type="arabicPeriod"/>
-            </a:pPr>
+              <a:t>Presented </a:t>
+            </a:r>
             <a:r>
               <a:rPr lang="en-US" sz="2000" b="1" dirty="0" smtClean="0">
                 <a:solidFill>
@@ -4686,10 +4688,36 @@
                     <a:lumMod val="75000"/>
                   </a:schemeClr>
                 </a:solidFill>
+                <a:latin typeface="Arial" pitchFamily="34" charset="0"/>
+                <a:cs typeface="Arial" pitchFamily="34" charset="0"/>
+              </a:rPr>
+              <a:t>By:</a:t>
+            </a:r>
+          </a:p>
+          <a:p>
+            <a:r>
+              <a:rPr lang="en-US" sz="2000" b="1" dirty="0" smtClean="0">
+                <a:solidFill>
+                  <a:schemeClr val="accent1">
+                    <a:lumMod val="75000"/>
+                  </a:schemeClr>
+                </a:solidFill>
                 <a:latin typeface="Arial"/>
                 <a:cs typeface="Arial"/>
               </a:rPr>
-              <a:t>HARIHARAN K </a:t>
+              <a:t>HARIHARAN K</a:t>
+            </a:r>
+            <a:r>
+              <a:rPr lang="en-US" sz="2000" b="1" dirty="0" smtClean="0">
+                <a:solidFill>
+                  <a:schemeClr val="accent1">
+                    <a:lumMod val="75000"/>
+                  </a:schemeClr>
+                </a:solidFill>
+                <a:latin typeface="Arial"/>
+                <a:cs typeface="Arial"/>
+              </a:rPr>
+              <a:t> </a:t>
             </a:r>
             <a:r>
               <a:rPr lang="en-US" sz="2000" b="1" dirty="0" smtClean="0">
@@ -4895,8 +4923,8 @@
         </p:nvSpPr>
         <p:spPr>
           <a:xfrm>
-            <a:off x="706581" y="2346026"/>
-            <a:ext cx="10450984" cy="2585323"/>
+            <a:off x="581192" y="2346026"/>
+            <a:ext cx="10450984" cy="2308324"/>
           </a:xfrm>
           <a:prstGeom prst="rect">
             <a:avLst/>
@@ -4910,38 +4938,52 @@
           <a:p>
             <a:pPr algn="just"/>
             <a:r>
-              <a:rPr lang="en-US" dirty="0"/>
+              <a:rPr lang="en-US" dirty="0">
+                <a:latin typeface="Times New Roman" panose="02020603050405020304" pitchFamily="18" charset="0"/>
+                <a:cs typeface="Times New Roman" panose="02020603050405020304" pitchFamily="18" charset="0"/>
+              </a:rPr>
               <a:t>The proposed solution lays the foundation for ongoing advancements in the realm of hotel reservation optimization. Here are key areas for future exploration and enhancement:</a:t>
             </a:r>
           </a:p>
           <a:p>
             <a:pPr algn="just"/>
             <a:r>
-              <a:rPr lang="en-US" dirty="0"/>
+              <a:rPr lang="en-US" dirty="0">
+                <a:latin typeface="Times New Roman" panose="02020603050405020304" pitchFamily="18" charset="0"/>
+                <a:cs typeface="Times New Roman" panose="02020603050405020304" pitchFamily="18" charset="0"/>
+              </a:rPr>
               <a:t>Real-time Predictions:</a:t>
             </a:r>
           </a:p>
           <a:p>
             <a:pPr algn="just"/>
             <a:r>
-              <a:rPr lang="en-US" dirty="0"/>
+              <a:rPr lang="en-US" dirty="0">
+                <a:latin typeface="Times New Roman" panose="02020603050405020304" pitchFamily="18" charset="0"/>
+                <a:cs typeface="Times New Roman" panose="02020603050405020304" pitchFamily="18" charset="0"/>
+              </a:rPr>
               <a:t>Move towards real-time predictive models that account for instant changes in demand, external events, and other dynamic factors to provide users with up-to-the-minute insights for booking decisions.</a:t>
             </a:r>
           </a:p>
           <a:p>
             <a:pPr algn="just"/>
             <a:r>
-              <a:rPr lang="en-US" dirty="0"/>
+              <a:rPr lang="en-US" dirty="0">
+                <a:latin typeface="Times New Roman" panose="02020603050405020304" pitchFamily="18" charset="0"/>
+                <a:cs typeface="Times New Roman" panose="02020603050405020304" pitchFamily="18" charset="0"/>
+              </a:rPr>
               <a:t>Personalization and Customization:</a:t>
             </a:r>
           </a:p>
           <a:p>
             <a:pPr algn="just"/>
             <a:r>
-              <a:rPr lang="en-US" dirty="0"/>
+              <a:rPr lang="en-US" dirty="0">
+                <a:latin typeface="Times New Roman" panose="02020603050405020304" pitchFamily="18" charset="0"/>
+                <a:cs typeface="Times New Roman" panose="02020603050405020304" pitchFamily="18" charset="0"/>
+              </a:rPr>
               <a:t>Enhance the predictive models to offer more personalized recommendations by considering individual guest preferences, loyalty history, and user-specific requirements, providing a tailored experience for each traveler.</a:t>
             </a:r>
-            <a:endParaRPr lang="en-US" dirty="0"/>
           </a:p>
         </p:txBody>
       </p:sp>
@@ -5746,18 +5788,23 @@
           </a:xfrm>
         </p:spPr>
         <p:txBody>
-          <a:bodyPr/>
+          <a:bodyPr>
+            <a:normAutofit/>
+          </a:bodyPr>
           <a:lstStyle/>
           <a:p>
-            <a:pPr marL="305435" indent="-305435"/>
-            <a:r>
-              <a:rPr lang="en-US" dirty="0"/>
-              <a:t>Develop  a  comprehensive predictive model to determine the optimal timing for hotel room bookings, identify the ideal length of stay for obtaining the best daily rates, and predict the likelihood of receiving an elevated number of special requests based on historical data.</a:t>
-            </a:r>
-          </a:p>
-          <a:p>
-            <a:pPr marL="305435" indent="-305435"/>
-            <a:endParaRPr lang="en-IN" dirty="0"/>
+            <a:pPr marL="305435" indent="-305435" algn="just"/>
+            <a:r>
+              <a:rPr lang="en-US" sz="1800" dirty="0">
+                <a:latin typeface="Times New Roman" panose="02020603050405020304" pitchFamily="18" charset="0"/>
+                <a:cs typeface="Times New Roman" panose="02020603050405020304" pitchFamily="18" charset="0"/>
+              </a:rPr>
+              <a:t>Fandango, a popular online movie ticketing platform, wants to improve its movie rating system to provide more accurate and reliable ratings to its users. Currently, there have been concerns raised about the integrity and authenticity of Fandango's movie ratings, with suspicions that they may be biased towards higher ratings.</a:t>
+            </a:r>
+            <a:endParaRPr lang="en-IN" sz="1800" dirty="0">
+              <a:latin typeface="Times New Roman" panose="02020603050405020304" pitchFamily="18" charset="0"/>
+              <a:cs typeface="Times New Roman" panose="02020603050405020304" pitchFamily="18" charset="0"/>
+            </a:endParaRPr>
           </a:p>
         </p:txBody>
       </p:sp>
@@ -5892,41 +5939,65 @@
           <a:lstStyle/>
           <a:p>
             <a:r>
-              <a:rPr lang="en-US" dirty="0"/>
+              <a:rPr lang="en-US" dirty="0">
+                <a:latin typeface="Times New Roman" panose="02020603050405020304" pitchFamily="18" charset="0"/>
+                <a:cs typeface="Times New Roman" panose="02020603050405020304" pitchFamily="18" charset="0"/>
+              </a:rPr>
               <a:t>* Utilizing advanced machine learning algorithms, our solution will analyze extensive historical hotel booking data to establish patterns and correlations.</a:t>
             </a:r>
           </a:p>
           <a:p>
             <a:r>
-              <a:rPr lang="en-US" dirty="0"/>
+              <a:rPr lang="en-US" dirty="0">
+                <a:latin typeface="Times New Roman" panose="02020603050405020304" pitchFamily="18" charset="0"/>
+                <a:cs typeface="Times New Roman" panose="02020603050405020304" pitchFamily="18" charset="0"/>
+              </a:rPr>
               <a:t/>
             </a:r>
             <a:br>
-              <a:rPr lang="en-US" dirty="0"/>
+              <a:rPr lang="en-US" dirty="0">
+                <a:latin typeface="Times New Roman" panose="02020603050405020304" pitchFamily="18" charset="0"/>
+                <a:cs typeface="Times New Roman" panose="02020603050405020304" pitchFamily="18" charset="0"/>
+              </a:rPr>
             </a:br>
-            <a:endParaRPr lang="en-US" dirty="0"/>
-          </a:p>
-          <a:p>
-            <a:r>
-              <a:rPr lang="en-US" dirty="0"/>
+            <a:endParaRPr lang="en-US" dirty="0">
+              <a:latin typeface="Times New Roman" panose="02020603050405020304" pitchFamily="18" charset="0"/>
+              <a:cs typeface="Times New Roman" panose="02020603050405020304" pitchFamily="18" charset="0"/>
+            </a:endParaRPr>
+          </a:p>
+          <a:p>
+            <a:r>
+              <a:rPr lang="en-US" dirty="0">
+                <a:latin typeface="Times New Roman" panose="02020603050405020304" pitchFamily="18" charset="0"/>
+                <a:cs typeface="Times New Roman" panose="02020603050405020304" pitchFamily="18" charset="0"/>
+              </a:rPr>
               <a:t>■ For optimal timing, a predictive model will consider factors such as seasonality, demand fluctuations, and promotional periods, providing users with insights on when to secure the most cost-effective room rates.</a:t>
             </a:r>
           </a:p>
           <a:p>
             <a:r>
-              <a:rPr lang="en-US" dirty="0"/>
+              <a:rPr lang="en-US" dirty="0">
+                <a:latin typeface="Times New Roman" panose="02020603050405020304" pitchFamily="18" charset="0"/>
+                <a:cs typeface="Times New Roman" panose="02020603050405020304" pitchFamily="18" charset="0"/>
+              </a:rPr>
               <a:t>■ The ideal length of stay will be determined through data-driven analysis, considering variables like day-of- week trends and duration-specific pricing strategies.</a:t>
             </a:r>
           </a:p>
           <a:p>
             <a:r>
-              <a:rPr lang="en-US" dirty="0"/>
+              <a:rPr lang="en-US" dirty="0">
+                <a:latin typeface="Times New Roman" panose="02020603050405020304" pitchFamily="18" charset="0"/>
+                <a:cs typeface="Times New Roman" panose="02020603050405020304" pitchFamily="18" charset="0"/>
+              </a:rPr>
               <a:t>■ Additionally, a specialized model will predict the likelihood of hotels receiving elevated special requests by examining guest profiles, reservation details, and hotel amenities, enabling proactive management strategies for enhanced customer satisfaction.</a:t>
             </a:r>
           </a:p>
           <a:p>
             <a:r>
-              <a:rPr lang="en-US" dirty="0"/>
+              <a:rPr lang="en-US" dirty="0">
+                <a:latin typeface="Times New Roman" panose="02020603050405020304" pitchFamily="18" charset="0"/>
+                <a:cs typeface="Times New Roman" panose="02020603050405020304" pitchFamily="18" charset="0"/>
+              </a:rPr>
               <a:t>This holistic approach aims to empower travelers and hoteliers alike with actionable intelligence for strategic decision-making in the dynamic hospitality landscape.</a:t>
             </a:r>
           </a:p>
@@ -6036,52 +6107,65 @@
           <a:lstStyle/>
           <a:p>
             <a:r>
-              <a:rPr lang="en-US" sz="1800" dirty="0"/>
+              <a:rPr lang="en-US" sz="1800" dirty="0">
+                <a:latin typeface="Times New Roman" panose="02020603050405020304" pitchFamily="18" charset="0"/>
+                <a:cs typeface="Times New Roman" panose="02020603050405020304" pitchFamily="18" charset="0"/>
+              </a:rPr>
               <a:t>Building the proposed solution would involve a combination of data processing, feature engineering, and machine learning. Here are the key system and library requirements:</a:t>
             </a:r>
           </a:p>
           <a:p>
             <a:r>
-              <a:rPr lang="en-US" sz="1800" dirty="0"/>
+              <a:rPr lang="en-US" sz="1800" dirty="0">
+                <a:latin typeface="Times New Roman" panose="02020603050405020304" pitchFamily="18" charset="0"/>
+                <a:cs typeface="Times New Roman" panose="02020603050405020304" pitchFamily="18" charset="0"/>
+              </a:rPr>
               <a:t>System Requirements:</a:t>
             </a:r>
           </a:p>
           <a:p>
             <a:r>
-              <a:rPr lang="en-US" sz="1800" dirty="0"/>
+              <a:rPr lang="en-US" sz="1800" dirty="0">
+                <a:latin typeface="Times New Roman" panose="02020603050405020304" pitchFamily="18" charset="0"/>
+                <a:cs typeface="Times New Roman" panose="02020603050405020304" pitchFamily="18" charset="0"/>
+              </a:rPr>
               <a:t>1. Hardware:</a:t>
             </a:r>
           </a:p>
           <a:p>
             <a:r>
-              <a:rPr lang="en-US" sz="1800" dirty="0"/>
+              <a:rPr lang="en-US" sz="1800" dirty="0">
+                <a:latin typeface="Times New Roman" panose="02020603050405020304" pitchFamily="18" charset="0"/>
+                <a:cs typeface="Times New Roman" panose="02020603050405020304" pitchFamily="18" charset="0"/>
+              </a:rPr>
               <a:t>- A computer with sufficient processing power, preferably with multiple cores or a GPU for faster training of machine learning models.</a:t>
             </a:r>
           </a:p>
           <a:p>
             <a:r>
-              <a:rPr lang="en-US" sz="1800" dirty="0"/>
+              <a:rPr lang="en-US" sz="1800" dirty="0">
+                <a:latin typeface="Times New Roman" panose="02020603050405020304" pitchFamily="18" charset="0"/>
+                <a:cs typeface="Times New Roman" panose="02020603050405020304" pitchFamily="18" charset="0"/>
+              </a:rPr>
               <a:t>-Adequate RAM to handle the size of the dataset and computational requirements.</a:t>
             </a:r>
           </a:p>
           <a:p>
             <a:r>
-              <a:rPr lang="en-US" sz="1800" dirty="0"/>
+              <a:rPr lang="en-US" sz="1800" dirty="0">
+                <a:latin typeface="Times New Roman" panose="02020603050405020304" pitchFamily="18" charset="0"/>
+                <a:cs typeface="Times New Roman" panose="02020603050405020304" pitchFamily="18" charset="0"/>
+              </a:rPr>
               <a:t>2. Software:</a:t>
             </a:r>
           </a:p>
           <a:p>
             <a:r>
-              <a:rPr lang="en-US" sz="1800" dirty="0"/>
-              <a:t>- An operating system compatible with the required machine learning libraries (e.g., Windows, Linux, </a:t>
-            </a:r>
-            <a:r>
-              <a:rPr lang="en-US" sz="1800" dirty="0" err="1"/>
-              <a:t>macOS</a:t>
-            </a:r>
-            <a:r>
-              <a:rPr lang="en-US" sz="1800" dirty="0"/>
-              <a:t>).</a:t>
+              <a:rPr lang="en-US" sz="1800" dirty="0">
+                <a:latin typeface="Times New Roman" panose="02020603050405020304" pitchFamily="18" charset="0"/>
+                <a:cs typeface="Times New Roman" panose="02020603050405020304" pitchFamily="18" charset="0"/>
+              </a:rPr>
+              <a:t>- An operating system compatible with the required machine learning libraries (e.g., Windows, Linux, macOS).</a:t>
             </a:r>
           </a:p>
           <a:p>
@@ -6193,84 +6277,132 @@
           <a:lstStyle/>
           <a:p>
             <a:r>
-              <a:rPr lang="en-US" sz="1800" dirty="0"/>
+              <a:rPr lang="en-US" sz="1800" dirty="0">
+                <a:latin typeface="Times New Roman" panose="02020603050405020304" pitchFamily="18" charset="0"/>
+                <a:cs typeface="Times New Roman" panose="02020603050405020304" pitchFamily="18" charset="0"/>
+              </a:rPr>
               <a:t>Training Process:</a:t>
             </a:r>
           </a:p>
           <a:p>
             <a:r>
-              <a:rPr lang="en-US" sz="1800" dirty="0"/>
+              <a:rPr lang="en-US" sz="1800" dirty="0">
+                <a:latin typeface="Times New Roman" panose="02020603050405020304" pitchFamily="18" charset="0"/>
+                <a:cs typeface="Times New Roman" panose="02020603050405020304" pitchFamily="18" charset="0"/>
+              </a:rPr>
               <a:t>Data Splitting</a:t>
             </a:r>
             <a:r>
-              <a:rPr lang="en-US" sz="1800" dirty="0" smtClean="0"/>
+              <a:rPr lang="en-US" sz="1800" dirty="0" smtClean="0">
+                <a:latin typeface="Times New Roman" panose="02020603050405020304" pitchFamily="18" charset="0"/>
+                <a:cs typeface="Times New Roman" panose="02020603050405020304" pitchFamily="18" charset="0"/>
+              </a:rPr>
               <a:t>:</a:t>
             </a:r>
-            <a:endParaRPr lang="en-US" sz="1800" dirty="0"/>
-          </a:p>
-          <a:p>
-            <a:r>
-              <a:rPr lang="en-US" sz="1800" dirty="0"/>
+            <a:endParaRPr lang="en-US" sz="1800" dirty="0">
+              <a:latin typeface="Times New Roman" panose="02020603050405020304" pitchFamily="18" charset="0"/>
+              <a:cs typeface="Times New Roman" panose="02020603050405020304" pitchFamily="18" charset="0"/>
+            </a:endParaRPr>
+          </a:p>
+          <a:p>
+            <a:r>
+              <a:rPr lang="en-US" sz="1800" dirty="0">
+                <a:latin typeface="Times New Roman" panose="02020603050405020304" pitchFamily="18" charset="0"/>
+                <a:cs typeface="Times New Roman" panose="02020603050405020304" pitchFamily="18" charset="0"/>
+              </a:rPr>
               <a:t>Divide the dataset into training and testing sets to evaluate the model's performance.</a:t>
             </a:r>
           </a:p>
           <a:p>
             <a:r>
-              <a:rPr lang="en-US" sz="1800" dirty="0"/>
+              <a:rPr lang="en-US" sz="1800" dirty="0">
+                <a:latin typeface="Times New Roman" panose="02020603050405020304" pitchFamily="18" charset="0"/>
+                <a:cs typeface="Times New Roman" panose="02020603050405020304" pitchFamily="18" charset="0"/>
+              </a:rPr>
               <a:t>Feature Scaling:</a:t>
             </a:r>
           </a:p>
           <a:p>
             <a:r>
-              <a:rPr lang="en-US" sz="1800" dirty="0"/>
+              <a:rPr lang="en-US" sz="1800" dirty="0">
+                <a:latin typeface="Times New Roman" panose="02020603050405020304" pitchFamily="18" charset="0"/>
+                <a:cs typeface="Times New Roman" panose="02020603050405020304" pitchFamily="18" charset="0"/>
+              </a:rPr>
               <a:t>Standardize or normalize numerical features to ensure they have a consistent scale.</a:t>
             </a:r>
           </a:p>
           <a:p>
             <a:r>
-              <a:rPr lang="en-US" sz="1800" dirty="0"/>
+              <a:rPr lang="en-US" sz="1800" dirty="0">
+                <a:latin typeface="Times New Roman" panose="02020603050405020304" pitchFamily="18" charset="0"/>
+                <a:cs typeface="Times New Roman" panose="02020603050405020304" pitchFamily="18" charset="0"/>
+              </a:rPr>
               <a:t>Model Training:</a:t>
             </a:r>
           </a:p>
           <a:p>
             <a:r>
-              <a:rPr lang="en-US" sz="1800" dirty="0"/>
+              <a:rPr lang="en-US" sz="1800" dirty="0">
+                <a:latin typeface="Times New Roman" panose="02020603050405020304" pitchFamily="18" charset="0"/>
+                <a:cs typeface="Times New Roman" panose="02020603050405020304" pitchFamily="18" charset="0"/>
+              </a:rPr>
               <a:t>Use the selected algorithm to train the model on the training dataset.</a:t>
             </a:r>
           </a:p>
           <a:p>
             <a:r>
-              <a:rPr lang="en-US" sz="1800" dirty="0"/>
+              <a:rPr lang="en-US" sz="1800" dirty="0">
+                <a:latin typeface="Times New Roman" panose="02020603050405020304" pitchFamily="18" charset="0"/>
+                <a:cs typeface="Times New Roman" panose="02020603050405020304" pitchFamily="18" charset="0"/>
+              </a:rPr>
               <a:t>Adjust </a:t>
             </a:r>
             <a:r>
-              <a:rPr lang="en-US" sz="1800" dirty="0" smtClean="0"/>
+              <a:rPr lang="en-US" sz="1800" dirty="0" smtClean="0">
+                <a:latin typeface="Times New Roman" panose="02020603050405020304" pitchFamily="18" charset="0"/>
+                <a:cs typeface="Times New Roman" panose="02020603050405020304" pitchFamily="18" charset="0"/>
+              </a:rPr>
               <a:t>hyper parameters </a:t>
             </a:r>
             <a:r>
-              <a:rPr lang="en-US" sz="1800" dirty="0"/>
+              <a:rPr lang="en-US" sz="1800" dirty="0">
+                <a:latin typeface="Times New Roman" panose="02020603050405020304" pitchFamily="18" charset="0"/>
+                <a:cs typeface="Times New Roman" panose="02020603050405020304" pitchFamily="18" charset="0"/>
+              </a:rPr>
               <a:t>to optimize model performance.</a:t>
             </a:r>
           </a:p>
           <a:p>
             <a:r>
-              <a:rPr lang="en-US" sz="1800" dirty="0"/>
+              <a:rPr lang="en-US" sz="1800" dirty="0">
+                <a:latin typeface="Times New Roman" panose="02020603050405020304" pitchFamily="18" charset="0"/>
+                <a:cs typeface="Times New Roman" panose="02020603050405020304" pitchFamily="18" charset="0"/>
+              </a:rPr>
               <a:t>Model Evaluation:</a:t>
             </a:r>
           </a:p>
           <a:p>
             <a:r>
-              <a:rPr lang="en-US" sz="1800" dirty="0"/>
+              <a:rPr lang="en-US" sz="1800" dirty="0">
+                <a:latin typeface="Times New Roman" panose="02020603050405020304" pitchFamily="18" charset="0"/>
+                <a:cs typeface="Times New Roman" panose="02020603050405020304" pitchFamily="18" charset="0"/>
+              </a:rPr>
               <a:t>Evaluate the model on the testing dataset using appropriate metrics (e.g.. Mean Squared Error for regression, accuracy, precision, recall for classification).</a:t>
             </a:r>
           </a:p>
           <a:p>
             <a:r>
-              <a:rPr lang="en-US" sz="1800" dirty="0"/>
+              <a:rPr lang="en-US" sz="1800" dirty="0">
+                <a:latin typeface="Times New Roman" panose="02020603050405020304" pitchFamily="18" charset="0"/>
+                <a:cs typeface="Times New Roman" panose="02020603050405020304" pitchFamily="18" charset="0"/>
+              </a:rPr>
               <a:t>Fine-tune the model if necessary</a:t>
             </a:r>
             <a:r>
-              <a:rPr lang="en-US" dirty="0"/>
+              <a:rPr lang="en-US" dirty="0">
+                <a:latin typeface="Times New Roman" panose="02020603050405020304" pitchFamily="18" charset="0"/>
+                <a:cs typeface="Times New Roman" panose="02020603050405020304" pitchFamily="18" charset="0"/>
+              </a:rPr>
               <a:t>.</a:t>
             </a:r>
           </a:p>
@@ -6590,21 +6722,41 @@
             <p:ph idx="1"/>
           </p:nvPr>
         </p:nvSpPr>
-        <p:spPr/>
+        <p:spPr>
+          <a:xfrm>
+            <a:off x="581192" y="1302026"/>
+            <a:ext cx="10557863" cy="4673324"/>
+          </a:xfrm>
+        </p:spPr>
         <p:txBody>
           <a:bodyPr>
             <a:normAutofit/>
           </a:bodyPr>
           <a:lstStyle/>
           <a:p>
-            <a:pPr marL="305435" indent="-305435" algn="just"/>
-            <a:r>
-              <a:rPr lang="en-US" sz="2000" dirty="0"/>
-              <a:t>In conclusion, our proposed solution harnesses the power of advanced machine learning algorithms to transform the hotel reservation process into a dynamic and optimized experience. By meticulously analyzing extensive historical booking data, we unlock patterns and correlations that are pivotal in addressing key challenges faced by both travelers and hoteliers.</a:t>
-            </a:r>
-          </a:p>
-          <a:p>
-            <a:pPr marL="305435" indent="-305435"/>
+            <a:pPr algn="just"/>
+            <a:r>
+              <a:rPr lang="en-US" dirty="0">
+                <a:latin typeface="Times New Roman" panose="02020603050405020304" pitchFamily="18" charset="0"/>
+                <a:cs typeface="Times New Roman" panose="02020603050405020304" pitchFamily="18" charset="0"/>
+              </a:rPr>
+              <a:t>In conclusion, the project aimed to address concerns regarding the integrity and authenticity of Fandango's movie rating system. Through comprehensive data analysis and model development, significant progress has been made towards achieving this goal.</a:t>
+            </a:r>
+          </a:p>
+          <a:p>
+            <a:pPr algn="just"/>
+            <a:r>
+              <a:rPr lang="en-US" dirty="0">
+                <a:latin typeface="Times New Roman" panose="02020603050405020304" pitchFamily="18" charset="0"/>
+                <a:cs typeface="Times New Roman" panose="02020603050405020304" pitchFamily="18" charset="0"/>
+              </a:rPr>
+              <a:t>The analysis revealed insights into potential biases in Fandango's current rating system, highlighting the need for improvement. By developing a robust machine learning model that considers various factors such as user reviews, critics' ratings, and movie attributes, we have created a more accurate and reliable rating system.</a:t>
+            </a:r>
+          </a:p>
+          <a:p>
+            <a:pPr marL="0" indent="0">
+              <a:buNone/>
+            </a:pPr>
             <a:endParaRPr lang="en-IN" sz="2000" dirty="0"/>
           </a:p>
         </p:txBody>
@@ -7482,14 +7634,14 @@
 <ds:datastoreItem xmlns:ds="http://schemas.openxmlformats.org/officeDocument/2006/customXml" ds:itemID="{8D289AE2-D2AE-49D1-AFAC-3A79F6794255}">
   <ds:schemaRefs>
     <ds:schemaRef ds:uri="http://purl.org/dc/dcmitype/"/>
+    <ds:schemaRef ds:uri="http://schemas.microsoft.com/office/2006/documentManagement/types"/>
     <ds:schemaRef ds:uri="http://purl.org/dc/elements/1.1/"/>
+    <ds:schemaRef ds:uri="9162bd5b-4ed9-4da3-b376-05204580ba3f"/>
     <ds:schemaRef ds:uri="http://schemas.microsoft.com/office/2006/metadata/properties"/>
     <ds:schemaRef ds:uri="c0fa2617-96bd-425d-8578-e93563fe37c5"/>
-    <ds:schemaRef ds:uri="http://schemas.microsoft.com/office/2006/documentManagement/types"/>
     <ds:schemaRef ds:uri="http://purl.org/dc/terms/"/>
     <ds:schemaRef ds:uri="http://schemas.openxmlformats.org/package/2006/metadata/core-properties"/>
     <ds:schemaRef ds:uri="http://schemas.microsoft.com/office/infopath/2007/PartnerControls"/>
-    <ds:schemaRef ds:uri="9162bd5b-4ed9-4da3-b376-05204580ba3f"/>
     <ds:schemaRef ds:uri="http://www.w3.org/XML/1998/namespace"/>
   </ds:schemaRefs>
 </ds:datastoreItem>
